--- a/BRinstructions.pptx
+++ b/BRinstructions.pptx
@@ -294,7 +294,7 @@
           <a:p>
             <a:fld id="{B0AC1241-F9F6-D24E-A94F-AAF38B458FE4}" type="datetimeFigureOut">
               <a:rPr lang="en-US" smtClean="0"/>
-              <a:t>11/7/16</a:t>
+              <a:t>3/11/17</a:t>
             </a:fld>
             <a:endParaRPr lang="en-US"/>
           </a:p>
@@ -464,7 +464,7 @@
           <a:p>
             <a:fld id="{B0AC1241-F9F6-D24E-A94F-AAF38B458FE4}" type="datetimeFigureOut">
               <a:rPr lang="en-US" smtClean="0"/>
-              <a:t>11/7/16</a:t>
+              <a:t>3/11/17</a:t>
             </a:fld>
             <a:endParaRPr lang="en-US"/>
           </a:p>
@@ -644,7 +644,7 @@
           <a:p>
             <a:fld id="{B0AC1241-F9F6-D24E-A94F-AAF38B458FE4}" type="datetimeFigureOut">
               <a:rPr lang="en-US" smtClean="0"/>
-              <a:t>11/7/16</a:t>
+              <a:t>3/11/17</a:t>
             </a:fld>
             <a:endParaRPr lang="en-US"/>
           </a:p>
@@ -814,7 +814,7 @@
           <a:p>
             <a:fld id="{B0AC1241-F9F6-D24E-A94F-AAF38B458FE4}" type="datetimeFigureOut">
               <a:rPr lang="en-US" smtClean="0"/>
-              <a:t>11/7/16</a:t>
+              <a:t>3/11/17</a:t>
             </a:fld>
             <a:endParaRPr lang="en-US"/>
           </a:p>
@@ -1060,7 +1060,7 @@
           <a:p>
             <a:fld id="{B0AC1241-F9F6-D24E-A94F-AAF38B458FE4}" type="datetimeFigureOut">
               <a:rPr lang="en-US" smtClean="0"/>
-              <a:t>11/7/16</a:t>
+              <a:t>3/11/17</a:t>
             </a:fld>
             <a:endParaRPr lang="en-US"/>
           </a:p>
@@ -1348,7 +1348,7 @@
           <a:p>
             <a:fld id="{B0AC1241-F9F6-D24E-A94F-AAF38B458FE4}" type="datetimeFigureOut">
               <a:rPr lang="en-US" smtClean="0"/>
-              <a:t>11/7/16</a:t>
+              <a:t>3/11/17</a:t>
             </a:fld>
             <a:endParaRPr lang="en-US"/>
           </a:p>
@@ -1775,7 +1775,7 @@
           <a:p>
             <a:fld id="{B0AC1241-F9F6-D24E-A94F-AAF38B458FE4}" type="datetimeFigureOut">
               <a:rPr lang="en-US" smtClean="0"/>
-              <a:t>11/7/16</a:t>
+              <a:t>3/11/17</a:t>
             </a:fld>
             <a:endParaRPr lang="en-US"/>
           </a:p>
@@ -1893,7 +1893,7 @@
           <a:p>
             <a:fld id="{B0AC1241-F9F6-D24E-A94F-AAF38B458FE4}" type="datetimeFigureOut">
               <a:rPr lang="en-US" smtClean="0"/>
-              <a:t>11/7/16</a:t>
+              <a:t>3/11/17</a:t>
             </a:fld>
             <a:endParaRPr lang="en-US"/>
           </a:p>
@@ -1988,7 +1988,7 @@
           <a:p>
             <a:fld id="{B0AC1241-F9F6-D24E-A94F-AAF38B458FE4}" type="datetimeFigureOut">
               <a:rPr lang="en-US" smtClean="0"/>
-              <a:t>11/7/16</a:t>
+              <a:t>3/11/17</a:t>
             </a:fld>
             <a:endParaRPr lang="en-US"/>
           </a:p>
@@ -2265,7 +2265,7 @@
           <a:p>
             <a:fld id="{B0AC1241-F9F6-D24E-A94F-AAF38B458FE4}" type="datetimeFigureOut">
               <a:rPr lang="en-US" smtClean="0"/>
-              <a:t>11/7/16</a:t>
+              <a:t>3/11/17</a:t>
             </a:fld>
             <a:endParaRPr lang="en-US"/>
           </a:p>
@@ -2522,7 +2522,7 @@
           <a:p>
             <a:fld id="{B0AC1241-F9F6-D24E-A94F-AAF38B458FE4}" type="datetimeFigureOut">
               <a:rPr lang="en-US" smtClean="0"/>
-              <a:t>11/7/16</a:t>
+              <a:t>3/11/17</a:t>
             </a:fld>
             <a:endParaRPr lang="en-US"/>
           </a:p>
@@ -2735,7 +2735,7 @@
           <a:p>
             <a:fld id="{B0AC1241-F9F6-D24E-A94F-AAF38B458FE4}" type="datetimeFigureOut">
               <a:rPr lang="en-US" smtClean="0"/>
-              <a:t>11/7/16</a:t>
+              <a:t>3/11/17</a:t>
             </a:fld>
             <a:endParaRPr lang="en-US"/>
           </a:p>
@@ -6708,11 +6708,7 @@
             </a:r>
             <a:r>
               <a:rPr lang="en-US" dirty="0" smtClean="0"/>
-              <a:t> </a:t>
-            </a:r>
-            <a:r>
-              <a:rPr lang="en-US" dirty="0" smtClean="0"/>
-              <a:t>task</a:t>
+              <a:t> task</a:t>
             </a:r>
             <a:endParaRPr lang="en-US" dirty="0"/>
           </a:p>
@@ -7882,15 +7878,7 @@
             <a:pPr algn="ctr"/>
             <a:r>
               <a:rPr lang="en-US" dirty="0" smtClean="0"/>
-              <a:t>Press one of </a:t>
-            </a:r>
-            <a:r>
-              <a:rPr lang="en-US" dirty="0" smtClean="0"/>
-              <a:t>four </a:t>
-            </a:r>
-            <a:r>
-              <a:rPr lang="en-US" dirty="0" smtClean="0"/>
-              <a:t>buttons (blue, yellow, green) to respond to the object you see</a:t>
+              <a:t>Press one of four buttons (blue, yellow, green) to respond to the object you see</a:t>
             </a:r>
             <a:endParaRPr lang="en-US" dirty="0"/>
           </a:p>
@@ -8186,11 +8174,7 @@
             </a:r>
             <a:r>
               <a:rPr lang="en-US" dirty="0" smtClean="0"/>
-              <a:t>. Categorization judgment </a:t>
-            </a:r>
-            <a:r>
-              <a:rPr lang="en-US" dirty="0" smtClean="0"/>
-              <a:t>task</a:t>
+              <a:t>. Categorization judgment task</a:t>
             </a:r>
             <a:endParaRPr lang="en-US" dirty="0"/>
           </a:p>
@@ -10293,11 +10277,7 @@
             </a:r>
             <a:r>
               <a:rPr lang="en-US" dirty="0" smtClean="0"/>
-              <a:t> </a:t>
-            </a:r>
-            <a:r>
-              <a:rPr lang="en-US" dirty="0" smtClean="0"/>
-              <a:t>task</a:t>
+              <a:t> task</a:t>
             </a:r>
             <a:endParaRPr lang="en-US" dirty="0"/>
           </a:p>
@@ -10460,23 +10440,7 @@
             <a:pPr algn="ctr"/>
             <a:r>
               <a:rPr lang="en-US" dirty="0" smtClean="0"/>
-              <a:t>Press one of </a:t>
-            </a:r>
-            <a:r>
-              <a:rPr lang="en-US" dirty="0" smtClean="0"/>
-              <a:t>four </a:t>
-            </a:r>
-            <a:r>
-              <a:rPr lang="en-US" dirty="0" smtClean="0"/>
-              <a:t>buttons (blue, yellow, </a:t>
-            </a:r>
-            <a:r>
-              <a:rPr lang="en-US" dirty="0" smtClean="0"/>
-              <a:t>green, red) </a:t>
-            </a:r>
-            <a:r>
-              <a:rPr lang="en-US" dirty="0" smtClean="0"/>
-              <a:t>to respond to the object you see</a:t>
+              <a:t>Press one of four buttons (blue, yellow, green, red) to respond to the object you see</a:t>
             </a:r>
             <a:endParaRPr lang="en-US" dirty="0"/>
           </a:p>
@@ -10889,15 +10853,7 @@
             <a:pPr algn="ctr"/>
             <a:r>
               <a:rPr lang="en-US" dirty="0" smtClean="0"/>
-              <a:t>little</a:t>
-            </a:r>
-            <a:r>
-              <a:rPr lang="en-US" dirty="0" smtClean="0"/>
-              <a:t> </a:t>
-            </a:r>
-            <a:r>
-              <a:rPr lang="en-US" dirty="0" smtClean="0"/>
-              <a:t>finger</a:t>
+              <a:t>little finger</a:t>
             </a:r>
             <a:endParaRPr lang="en-US" dirty="0"/>
           </a:p>
@@ -10955,11 +10911,7 @@
           <a:p>
             <a:r>
               <a:rPr lang="en-US" dirty="0" smtClean="0"/>
-              <a:t>3. Luminance direction </a:t>
-            </a:r>
-            <a:r>
-              <a:rPr lang="en-US" dirty="0" smtClean="0"/>
-              <a:t>task</a:t>
+              <a:t>3. Luminance direction task</a:t>
             </a:r>
             <a:endParaRPr lang="en-US" dirty="0"/>
           </a:p>
@@ -12087,27 +12039,7 @@
             <a:pPr algn="ctr"/>
             <a:r>
               <a:rPr lang="en-US" dirty="0" smtClean="0"/>
-              <a:t>Press one of </a:t>
-            </a:r>
-            <a:r>
-              <a:rPr lang="en-US" dirty="0" smtClean="0"/>
-              <a:t>two </a:t>
-            </a:r>
-            <a:r>
-              <a:rPr lang="en-US" dirty="0" smtClean="0"/>
-              <a:t>buttons (blue, </a:t>
-            </a:r>
-            <a:r>
-              <a:rPr lang="en-US" dirty="0" smtClean="0"/>
-              <a:t>yellow) </a:t>
-            </a:r>
-            <a:r>
-              <a:rPr lang="en-US" dirty="0" smtClean="0"/>
-              <a:t>to respond to the </a:t>
-            </a:r>
-            <a:r>
-              <a:rPr lang="en-US" dirty="0" smtClean="0"/>
-              <a:t>direction of luminance change, ignore the stimulus</a:t>
+              <a:t>Press one of two buttons (blue, yellow) to respond to the direction of luminance change, ignore the stimulus</a:t>
             </a:r>
             <a:endParaRPr lang="en-US" dirty="0"/>
           </a:p>
@@ -12168,11 +12100,7 @@
             <a:pPr algn="ctr"/>
             <a:r>
               <a:rPr lang="en-US" dirty="0" smtClean="0"/>
-              <a:t>Blue button, Index </a:t>
-            </a:r>
-            <a:r>
-              <a:rPr lang="en-US" dirty="0" smtClean="0"/>
-              <a:t>finger</a:t>
+              <a:t>Blue button, Index finger</a:t>
             </a:r>
             <a:endParaRPr lang="en-US" dirty="0"/>
           </a:p>
@@ -12203,11 +12131,7 @@
             <a:pPr algn="ctr"/>
             <a:r>
               <a:rPr lang="en-US" dirty="0" smtClean="0"/>
-              <a:t>Yellow button, Middle </a:t>
-            </a:r>
-            <a:r>
-              <a:rPr lang="en-US" dirty="0" smtClean="0"/>
-              <a:t>finger</a:t>
+              <a:t>Yellow button, Middle finger</a:t>
             </a:r>
             <a:endParaRPr lang="en-US" dirty="0"/>
           </a:p>
